--- a/Fase 3/Evidencias grupales/ForoU_CapstoneFinal.pptx
+++ b/Fase 3/Evidencias grupales/ForoU_CapstoneFinal.pptx
@@ -4560,14 +4560,539 @@
       </p:sp>
       <p:sp>
         <p:nvSpPr>
-          <p:cNvPr name="Freeform 37" id="37"/>
+          <p:cNvPr name="TextBox 37" id="37"/>
+          <p:cNvSpPr txBox="true"/>
+          <p:nvPr/>
+        </p:nvSpPr>
+        <p:spPr>
+          <a:xfrm rot="0">
+            <a:off x="5405169" y="4051362"/>
+            <a:ext cx="7496155" cy="3015377"/>
+          </a:xfrm>
+          <a:prstGeom prst="rect">
+            <a:avLst/>
+          </a:prstGeom>
+        </p:spPr>
+        <p:txBody>
+          <a:bodyPr anchor="t" rtlCol="false" tIns="0" lIns="0" bIns="0" rIns="0">
+            <a:spAutoFit/>
+          </a:bodyPr>
+          <a:lstStyle/>
+          <a:p>
+            <a:pPr algn="ctr">
+              <a:lnSpc>
+                <a:spcPts val="7963"/>
+              </a:lnSpc>
+            </a:pPr>
+            <a:r>
+              <a:rPr lang="en-US" b="true" sz="6421" spc="122">
+                <a:solidFill>
+                  <a:srgbClr val="FFFFFF"/>
+                </a:solidFill>
+                <a:latin typeface="Muli Heavy"/>
+                <a:ea typeface="Muli Heavy"/>
+                <a:cs typeface="Muli Heavy"/>
+                <a:sym typeface="Muli Heavy"/>
+              </a:rPr>
+              <a:t>TECNOLOGÍAS UTILIZADAS</a:t>
+            </a:r>
+          </a:p>
+          <a:p>
+            <a:pPr algn="ctr" marL="0" indent="0" lvl="0">
+              <a:lnSpc>
+                <a:spcPts val="7963"/>
+              </a:lnSpc>
+              <a:spcBef>
+                <a:spcPct val="0"/>
+              </a:spcBef>
+            </a:pPr>
+          </a:p>
+        </p:txBody>
+      </p:sp>
+      <p:sp>
+        <p:nvSpPr>
+          <p:cNvPr name="TextBox 38" id="38"/>
+          <p:cNvSpPr txBox="true"/>
+          <p:nvPr/>
+        </p:nvSpPr>
+        <p:spPr>
+          <a:xfrm rot="0">
+            <a:off x="2153381" y="7339279"/>
+            <a:ext cx="3251788" cy="389412"/>
+          </a:xfrm>
+          <a:prstGeom prst="rect">
+            <a:avLst/>
+          </a:prstGeom>
+        </p:spPr>
+        <p:txBody>
+          <a:bodyPr anchor="t" rtlCol="false" tIns="0" lIns="0" bIns="0" rIns="0">
+            <a:spAutoFit/>
+          </a:bodyPr>
+          <a:lstStyle/>
+          <a:p>
+            <a:pPr algn="ctr" marL="0" indent="0" lvl="0">
+              <a:lnSpc>
+                <a:spcPts val="3211"/>
+              </a:lnSpc>
+              <a:spcBef>
+                <a:spcPct val="0"/>
+              </a:spcBef>
+            </a:pPr>
+            <a:r>
+              <a:rPr lang="en-US" b="true" sz="2293">
+                <a:solidFill>
+                  <a:srgbClr val="000A1F"/>
+                </a:solidFill>
+                <a:latin typeface="Muli Ultra-Bold"/>
+                <a:ea typeface="Muli Ultra-Bold"/>
+                <a:cs typeface="Muli Ultra-Bold"/>
+                <a:sym typeface="Muli Ultra-Bold"/>
+              </a:rPr>
+              <a:t>Control de Versiones</a:t>
+            </a:r>
+          </a:p>
+        </p:txBody>
+      </p:sp>
+      <p:sp>
+        <p:nvSpPr>
+          <p:cNvPr name="TextBox 39" id="39"/>
+          <p:cNvSpPr txBox="true"/>
+          <p:nvPr/>
+        </p:nvSpPr>
+        <p:spPr>
+          <a:xfrm rot="0">
+            <a:off x="12855695" y="7339279"/>
+            <a:ext cx="3251788" cy="389412"/>
+          </a:xfrm>
+          <a:prstGeom prst="rect">
+            <a:avLst/>
+          </a:prstGeom>
+        </p:spPr>
+        <p:txBody>
+          <a:bodyPr anchor="t" rtlCol="false" tIns="0" lIns="0" bIns="0" rIns="0">
+            <a:spAutoFit/>
+          </a:bodyPr>
+          <a:lstStyle/>
+          <a:p>
+            <a:pPr algn="ctr" marL="0" indent="0" lvl="0">
+              <a:lnSpc>
+                <a:spcPts val="3211"/>
+              </a:lnSpc>
+              <a:spcBef>
+                <a:spcPct val="0"/>
+              </a:spcBef>
+            </a:pPr>
+            <a:r>
+              <a:rPr lang="en-US" b="true" sz="2293">
+                <a:solidFill>
+                  <a:srgbClr val="000A1F"/>
+                </a:solidFill>
+                <a:latin typeface="Muli Ultra-Bold"/>
+                <a:ea typeface="Muli Ultra-Bold"/>
+                <a:cs typeface="Muli Ultra-Bold"/>
+                <a:sym typeface="Muli Ultra-Bold"/>
+              </a:rPr>
+              <a:t>Despliegue</a:t>
+            </a:r>
+          </a:p>
+        </p:txBody>
+      </p:sp>
+      <p:sp>
+        <p:nvSpPr>
+          <p:cNvPr name="TextBox 40" id="40"/>
+          <p:cNvSpPr txBox="true"/>
+          <p:nvPr/>
+        </p:nvSpPr>
+        <p:spPr>
+          <a:xfrm rot="0">
+            <a:off x="2363438" y="1325691"/>
+            <a:ext cx="2742993" cy="851570"/>
+          </a:xfrm>
+          <a:prstGeom prst="rect">
+            <a:avLst/>
+          </a:prstGeom>
+        </p:spPr>
+        <p:txBody>
+          <a:bodyPr anchor="t" rtlCol="false" tIns="0" lIns="0" bIns="0" rIns="0">
+            <a:spAutoFit/>
+          </a:bodyPr>
+          <a:lstStyle/>
+          <a:p>
+            <a:pPr algn="ctr" marL="0" indent="0" lvl="0">
+              <a:lnSpc>
+                <a:spcPts val="3478"/>
+              </a:lnSpc>
+              <a:spcBef>
+                <a:spcPct val="0"/>
+              </a:spcBef>
+            </a:pPr>
+            <a:r>
+              <a:rPr lang="en-US" b="true" sz="2174">
+                <a:solidFill>
+                  <a:srgbClr val="FFFFFF"/>
+                </a:solidFill>
+                <a:latin typeface="TT Interphases Bold"/>
+                <a:ea typeface="TT Interphases Bold"/>
+                <a:cs typeface="TT Interphases Bold"/>
+                <a:sym typeface="TT Interphases Bold"/>
+              </a:rPr>
+              <a:t>N</a:t>
+            </a:r>
+            <a:r>
+              <a:rPr lang="en-US" b="true" sz="2174" strike="noStrike" u="none">
+                <a:solidFill>
+                  <a:srgbClr val="FFFFFF"/>
+                </a:solidFill>
+                <a:latin typeface="TT Interphases Bold"/>
+                <a:ea typeface="TT Interphases Bold"/>
+                <a:cs typeface="TT Interphases Bold"/>
+                <a:sym typeface="TT Interphases Bold"/>
+              </a:rPr>
+              <a:t>ext.js 14, React</a:t>
+            </a:r>
+          </a:p>
+          <a:p>
+            <a:pPr algn="ctr" marL="0" indent="0" lvl="0">
+              <a:lnSpc>
+                <a:spcPts val="3478"/>
+              </a:lnSpc>
+              <a:spcBef>
+                <a:spcPct val="0"/>
+              </a:spcBef>
+            </a:pPr>
+          </a:p>
+        </p:txBody>
+      </p:sp>
+      <p:sp>
+        <p:nvSpPr>
+          <p:cNvPr name="TextBox 41" id="41"/>
+          <p:cNvSpPr txBox="true"/>
+          <p:nvPr/>
+        </p:nvSpPr>
+        <p:spPr>
+          <a:xfrm rot="0">
+            <a:off x="772657" y="4138816"/>
+            <a:ext cx="3251788" cy="389412"/>
+          </a:xfrm>
+          <a:prstGeom prst="rect">
+            <a:avLst/>
+          </a:prstGeom>
+        </p:spPr>
+        <p:txBody>
+          <a:bodyPr anchor="t" rtlCol="false" tIns="0" lIns="0" bIns="0" rIns="0">
+            <a:spAutoFit/>
+          </a:bodyPr>
+          <a:lstStyle/>
+          <a:p>
+            <a:pPr algn="ctr" marL="0" indent="0" lvl="0">
+              <a:lnSpc>
+                <a:spcPts val="3211"/>
+              </a:lnSpc>
+              <a:spcBef>
+                <a:spcPct val="0"/>
+              </a:spcBef>
+            </a:pPr>
+            <a:r>
+              <a:rPr lang="en-US" b="true" sz="2293">
+                <a:solidFill>
+                  <a:srgbClr val="000A1F"/>
+                </a:solidFill>
+                <a:latin typeface="Muli Ultra-Bold"/>
+                <a:ea typeface="Muli Ultra-Bold"/>
+                <a:cs typeface="Muli Ultra-Bold"/>
+                <a:sym typeface="Muli Ultra-Bold"/>
+              </a:rPr>
+              <a:t>Data base</a:t>
+            </a:r>
+          </a:p>
+        </p:txBody>
+      </p:sp>
+      <p:sp>
+        <p:nvSpPr>
+          <p:cNvPr name="TextBox 42" id="42"/>
+          <p:cNvSpPr txBox="true"/>
+          <p:nvPr/>
+        </p:nvSpPr>
+        <p:spPr>
+          <a:xfrm rot="0">
+            <a:off x="2153381" y="802470"/>
+            <a:ext cx="3251788" cy="389412"/>
+          </a:xfrm>
+          <a:prstGeom prst="rect">
+            <a:avLst/>
+          </a:prstGeom>
+        </p:spPr>
+        <p:txBody>
+          <a:bodyPr anchor="t" rtlCol="false" tIns="0" lIns="0" bIns="0" rIns="0">
+            <a:spAutoFit/>
+          </a:bodyPr>
+          <a:lstStyle/>
+          <a:p>
+            <a:pPr algn="ctr" marL="0" indent="0" lvl="0">
+              <a:lnSpc>
+                <a:spcPts val="3211"/>
+              </a:lnSpc>
+              <a:spcBef>
+                <a:spcPct val="0"/>
+              </a:spcBef>
+            </a:pPr>
+            <a:r>
+              <a:rPr lang="en-US" b="true" sz="2293">
+                <a:solidFill>
+                  <a:srgbClr val="000A1F"/>
+                </a:solidFill>
+                <a:latin typeface="Muli Ultra-Bold"/>
+                <a:ea typeface="Muli Ultra-Bold"/>
+                <a:cs typeface="Muli Ultra-Bold"/>
+                <a:sym typeface="Muli Ultra-Bold"/>
+              </a:rPr>
+              <a:t>FrontEnd</a:t>
+            </a:r>
+          </a:p>
+        </p:txBody>
+      </p:sp>
+      <p:sp>
+        <p:nvSpPr>
+          <p:cNvPr name="TextBox 43" id="43"/>
+          <p:cNvSpPr txBox="true"/>
+          <p:nvPr/>
+        </p:nvSpPr>
+        <p:spPr>
+          <a:xfrm rot="0">
+            <a:off x="12855695" y="802470"/>
+            <a:ext cx="3251788" cy="389412"/>
+          </a:xfrm>
+          <a:prstGeom prst="rect">
+            <a:avLst/>
+          </a:prstGeom>
+        </p:spPr>
+        <p:txBody>
+          <a:bodyPr anchor="t" rtlCol="false" tIns="0" lIns="0" bIns="0" rIns="0">
+            <a:spAutoFit/>
+          </a:bodyPr>
+          <a:lstStyle/>
+          <a:p>
+            <a:pPr algn="ctr" marL="0" indent="0" lvl="0">
+              <a:lnSpc>
+                <a:spcPts val="3211"/>
+              </a:lnSpc>
+              <a:spcBef>
+                <a:spcPct val="0"/>
+              </a:spcBef>
+            </a:pPr>
+            <a:r>
+              <a:rPr lang="en-US" b="true" sz="2293">
+                <a:solidFill>
+                  <a:srgbClr val="000A1F"/>
+                </a:solidFill>
+                <a:latin typeface="Muli Ultra-Bold"/>
+                <a:ea typeface="Muli Ultra-Bold"/>
+                <a:cs typeface="Muli Ultra-Bold"/>
+                <a:sym typeface="Muli Ultra-Bold"/>
+              </a:rPr>
+              <a:t>Estilos</a:t>
+            </a:r>
+          </a:p>
+        </p:txBody>
+      </p:sp>
+      <p:sp>
+        <p:nvSpPr>
+          <p:cNvPr name="TextBox 44" id="44"/>
+          <p:cNvSpPr txBox="true"/>
+          <p:nvPr/>
+        </p:nvSpPr>
+        <p:spPr>
+          <a:xfrm rot="0">
+            <a:off x="1036281" y="4583312"/>
+            <a:ext cx="2742993" cy="413420"/>
+          </a:xfrm>
+          <a:prstGeom prst="rect">
+            <a:avLst/>
+          </a:prstGeom>
+        </p:spPr>
+        <p:txBody>
+          <a:bodyPr anchor="t" rtlCol="false" tIns="0" lIns="0" bIns="0" rIns="0">
+            <a:spAutoFit/>
+          </a:bodyPr>
+          <a:lstStyle/>
+          <a:p>
+            <a:pPr algn="ctr" marL="0" indent="0" lvl="0">
+              <a:lnSpc>
+                <a:spcPts val="3478"/>
+              </a:lnSpc>
+              <a:spcBef>
+                <a:spcPct val="0"/>
+              </a:spcBef>
+            </a:pPr>
+            <a:r>
+              <a:rPr lang="en-US" b="true" sz="2174">
+                <a:solidFill>
+                  <a:srgbClr val="FFFFFF"/>
+                </a:solidFill>
+                <a:latin typeface="TT Interphases Bold"/>
+                <a:ea typeface="TT Interphases Bold"/>
+                <a:cs typeface="TT Interphases Bold"/>
+                <a:sym typeface="TT Interphases Bold"/>
+              </a:rPr>
+              <a:t>Firestore</a:t>
+            </a:r>
+          </a:p>
+        </p:txBody>
+      </p:sp>
+      <p:sp>
+        <p:nvSpPr>
+          <p:cNvPr name="TextBox 45" id="45"/>
+          <p:cNvSpPr txBox="true"/>
+          <p:nvPr/>
+        </p:nvSpPr>
+        <p:spPr>
+          <a:xfrm rot="0">
+            <a:off x="2363438" y="7754420"/>
+            <a:ext cx="2742993" cy="413420"/>
+          </a:xfrm>
+          <a:prstGeom prst="rect">
+            <a:avLst/>
+          </a:prstGeom>
+        </p:spPr>
+        <p:txBody>
+          <a:bodyPr anchor="t" rtlCol="false" tIns="0" lIns="0" bIns="0" rIns="0">
+            <a:spAutoFit/>
+          </a:bodyPr>
+          <a:lstStyle/>
+          <a:p>
+            <a:pPr algn="ctr" marL="0" indent="0" lvl="0">
+              <a:lnSpc>
+                <a:spcPts val="3478"/>
+              </a:lnSpc>
+              <a:spcBef>
+                <a:spcPct val="0"/>
+              </a:spcBef>
+            </a:pPr>
+            <a:r>
+              <a:rPr lang="en-US" b="true" sz="2174">
+                <a:solidFill>
+                  <a:srgbClr val="FFFFFF"/>
+                </a:solidFill>
+                <a:latin typeface="TT Interphases Bold"/>
+                <a:ea typeface="TT Interphases Bold"/>
+                <a:cs typeface="TT Interphases Bold"/>
+                <a:sym typeface="TT Interphases Bold"/>
+              </a:rPr>
+              <a:t>Github</a:t>
+            </a:r>
+          </a:p>
+        </p:txBody>
+      </p:sp>
+      <p:sp>
+        <p:nvSpPr>
+          <p:cNvPr name="TextBox 46" id="46"/>
+          <p:cNvSpPr txBox="true"/>
+          <p:nvPr/>
+        </p:nvSpPr>
+        <p:spPr>
+          <a:xfrm rot="0">
+            <a:off x="13074980" y="1246966"/>
+            <a:ext cx="2742993" cy="413420"/>
+          </a:xfrm>
+          <a:prstGeom prst="rect">
+            <a:avLst/>
+          </a:prstGeom>
+        </p:spPr>
+        <p:txBody>
+          <a:bodyPr anchor="t" rtlCol="false" tIns="0" lIns="0" bIns="0" rIns="0">
+            <a:spAutoFit/>
+          </a:bodyPr>
+          <a:lstStyle/>
+          <a:p>
+            <a:pPr algn="ctr" marL="0" indent="0" lvl="0">
+              <a:lnSpc>
+                <a:spcPts val="3478"/>
+              </a:lnSpc>
+              <a:spcBef>
+                <a:spcPct val="0"/>
+              </a:spcBef>
+            </a:pPr>
+            <a:r>
+              <a:rPr lang="en-US" b="true" sz="2174">
+                <a:solidFill>
+                  <a:srgbClr val="FFFFFF"/>
+                </a:solidFill>
+                <a:latin typeface="TT Interphases Bold"/>
+                <a:ea typeface="TT Interphases Bold"/>
+                <a:cs typeface="TT Interphases Bold"/>
+                <a:sym typeface="TT Interphases Bold"/>
+              </a:rPr>
+              <a:t>Tailw</a:t>
+            </a:r>
+            <a:r>
+              <a:rPr lang="en-US" b="true" sz="2174">
+                <a:solidFill>
+                  <a:srgbClr val="FFFFFF"/>
+                </a:solidFill>
+                <a:latin typeface="TT Interphases Bold"/>
+                <a:ea typeface="TT Interphases Bold"/>
+                <a:cs typeface="TT Interphases Bold"/>
+                <a:sym typeface="TT Interphases Bold"/>
+              </a:rPr>
+              <a:t>indCSS</a:t>
+            </a:r>
+          </a:p>
+        </p:txBody>
+      </p:sp>
+      <p:sp>
+        <p:nvSpPr>
+          <p:cNvPr name="TextBox 47" id="47"/>
+          <p:cNvSpPr txBox="true"/>
+          <p:nvPr/>
+        </p:nvSpPr>
+        <p:spPr>
+          <a:xfrm rot="0">
+            <a:off x="13110093" y="7783776"/>
+            <a:ext cx="2742993" cy="413420"/>
+          </a:xfrm>
+          <a:prstGeom prst="rect">
+            <a:avLst/>
+          </a:prstGeom>
+        </p:spPr>
+        <p:txBody>
+          <a:bodyPr anchor="t" rtlCol="false" tIns="0" lIns="0" bIns="0" rIns="0">
+            <a:spAutoFit/>
+          </a:bodyPr>
+          <a:lstStyle/>
+          <a:p>
+            <a:pPr algn="ctr" marL="0" indent="0" lvl="0">
+              <a:lnSpc>
+                <a:spcPts val="3478"/>
+              </a:lnSpc>
+              <a:spcBef>
+                <a:spcPct val="0"/>
+              </a:spcBef>
+            </a:pPr>
+            <a:r>
+              <a:rPr lang="en-US" b="true" sz="2174">
+                <a:solidFill>
+                  <a:srgbClr val="FFFFFF"/>
+                </a:solidFill>
+                <a:latin typeface="TT Interphases Bold"/>
+                <a:ea typeface="TT Interphases Bold"/>
+                <a:cs typeface="TT Interphases Bold"/>
+                <a:sym typeface="TT Interphases Bold"/>
+              </a:rPr>
+              <a:t>Google Cloud</a:t>
+            </a:r>
+          </a:p>
+        </p:txBody>
+      </p:sp>
+      <p:sp>
+        <p:nvSpPr>
+          <p:cNvPr name="Freeform 48" id="48"/>
           <p:cNvSpPr/>
           <p:nvPr/>
         </p:nvSpPr>
         <p:spPr>
           <a:xfrm flipH="false" flipV="false" rot="0">
-            <a:off x="13609788" y="8340070"/>
-            <a:ext cx="1788848" cy="1788848"/>
+            <a:off x="12556020" y="8003993"/>
+            <a:ext cx="3896385" cy="2045602"/>
           </a:xfrm>
           <a:custGeom>
             <a:avLst/>
@@ -4576,18 +5101,18 @@
             <a:cxnLst/>
             <a:rect r="r" b="b" t="t" l="l"/>
             <a:pathLst>
-              <a:path h="1788848" w="1788848">
+              <a:path h="2045602" w="3896385">
                 <a:moveTo>
                   <a:pt x="0" y="0"/>
                 </a:moveTo>
                 <a:lnTo>
-                  <a:pt x="1788848" y="0"/>
+                  <a:pt x="3896385" y="0"/>
                 </a:lnTo>
                 <a:lnTo>
-                  <a:pt x="1788848" y="1788848"/>
+                  <a:pt x="3896385" y="2045602"/>
                 </a:lnTo>
                 <a:lnTo>
-                  <a:pt x="0" y="1788848"/>
+                  <a:pt x="0" y="2045602"/>
                 </a:lnTo>
                 <a:lnTo>
                   <a:pt x="0" y="0"/>
@@ -4603,531 +5128,6 @@
             </a:stretch>
           </a:blipFill>
         </p:spPr>
-      </p:sp>
-      <p:sp>
-        <p:nvSpPr>
-          <p:cNvPr name="TextBox 38" id="38"/>
-          <p:cNvSpPr txBox="true"/>
-          <p:nvPr/>
-        </p:nvSpPr>
-        <p:spPr>
-          <a:xfrm rot="0">
-            <a:off x="5405169" y="4051362"/>
-            <a:ext cx="7496155" cy="3015377"/>
-          </a:xfrm>
-          <a:prstGeom prst="rect">
-            <a:avLst/>
-          </a:prstGeom>
-        </p:spPr>
-        <p:txBody>
-          <a:bodyPr anchor="t" rtlCol="false" tIns="0" lIns="0" bIns="0" rIns="0">
-            <a:spAutoFit/>
-          </a:bodyPr>
-          <a:lstStyle/>
-          <a:p>
-            <a:pPr algn="ctr">
-              <a:lnSpc>
-                <a:spcPts val="7963"/>
-              </a:lnSpc>
-            </a:pPr>
-            <a:r>
-              <a:rPr lang="en-US" b="true" sz="6421" spc="122">
-                <a:solidFill>
-                  <a:srgbClr val="FFFFFF"/>
-                </a:solidFill>
-                <a:latin typeface="Muli Heavy"/>
-                <a:ea typeface="Muli Heavy"/>
-                <a:cs typeface="Muli Heavy"/>
-                <a:sym typeface="Muli Heavy"/>
-              </a:rPr>
-              <a:t>TECNOLOGÍAS UTILIZADAS</a:t>
-            </a:r>
-          </a:p>
-          <a:p>
-            <a:pPr algn="ctr" marL="0" indent="0" lvl="0">
-              <a:lnSpc>
-                <a:spcPts val="7963"/>
-              </a:lnSpc>
-              <a:spcBef>
-                <a:spcPct val="0"/>
-              </a:spcBef>
-            </a:pPr>
-          </a:p>
-        </p:txBody>
-      </p:sp>
-      <p:sp>
-        <p:nvSpPr>
-          <p:cNvPr name="TextBox 39" id="39"/>
-          <p:cNvSpPr txBox="true"/>
-          <p:nvPr/>
-        </p:nvSpPr>
-        <p:spPr>
-          <a:xfrm rot="0">
-            <a:off x="2153381" y="7339279"/>
-            <a:ext cx="3251788" cy="389412"/>
-          </a:xfrm>
-          <a:prstGeom prst="rect">
-            <a:avLst/>
-          </a:prstGeom>
-        </p:spPr>
-        <p:txBody>
-          <a:bodyPr anchor="t" rtlCol="false" tIns="0" lIns="0" bIns="0" rIns="0">
-            <a:spAutoFit/>
-          </a:bodyPr>
-          <a:lstStyle/>
-          <a:p>
-            <a:pPr algn="ctr" marL="0" indent="0" lvl="0">
-              <a:lnSpc>
-                <a:spcPts val="3211"/>
-              </a:lnSpc>
-              <a:spcBef>
-                <a:spcPct val="0"/>
-              </a:spcBef>
-            </a:pPr>
-            <a:r>
-              <a:rPr lang="en-US" b="true" sz="2293">
-                <a:solidFill>
-                  <a:srgbClr val="000A1F"/>
-                </a:solidFill>
-                <a:latin typeface="Muli Ultra-Bold"/>
-                <a:ea typeface="Muli Ultra-Bold"/>
-                <a:cs typeface="Muli Ultra-Bold"/>
-                <a:sym typeface="Muli Ultra-Bold"/>
-              </a:rPr>
-              <a:t>Control de Versiones</a:t>
-            </a:r>
-          </a:p>
-        </p:txBody>
-      </p:sp>
-      <p:sp>
-        <p:nvSpPr>
-          <p:cNvPr name="TextBox 40" id="40"/>
-          <p:cNvSpPr txBox="true"/>
-          <p:nvPr/>
-        </p:nvSpPr>
-        <p:spPr>
-          <a:xfrm rot="0">
-            <a:off x="12855695" y="7339279"/>
-            <a:ext cx="3251788" cy="389412"/>
-          </a:xfrm>
-          <a:prstGeom prst="rect">
-            <a:avLst/>
-          </a:prstGeom>
-        </p:spPr>
-        <p:txBody>
-          <a:bodyPr anchor="t" rtlCol="false" tIns="0" lIns="0" bIns="0" rIns="0">
-            <a:spAutoFit/>
-          </a:bodyPr>
-          <a:lstStyle/>
-          <a:p>
-            <a:pPr algn="ctr" marL="0" indent="0" lvl="0">
-              <a:lnSpc>
-                <a:spcPts val="3211"/>
-              </a:lnSpc>
-              <a:spcBef>
-                <a:spcPct val="0"/>
-              </a:spcBef>
-            </a:pPr>
-            <a:r>
-              <a:rPr lang="en-US" b="true" sz="2293">
-                <a:solidFill>
-                  <a:srgbClr val="000A1F"/>
-                </a:solidFill>
-                <a:latin typeface="Muli Ultra-Bold"/>
-                <a:ea typeface="Muli Ultra-Bold"/>
-                <a:cs typeface="Muli Ultra-Bold"/>
-                <a:sym typeface="Muli Ultra-Bold"/>
-              </a:rPr>
-              <a:t>Despliegue</a:t>
-            </a:r>
-          </a:p>
-        </p:txBody>
-      </p:sp>
-      <p:sp>
-        <p:nvSpPr>
-          <p:cNvPr name="TextBox 41" id="41"/>
-          <p:cNvSpPr txBox="true"/>
-          <p:nvPr/>
-        </p:nvSpPr>
-        <p:spPr>
-          <a:xfrm rot="0">
-            <a:off x="2363438" y="1325691"/>
-            <a:ext cx="2742993" cy="851570"/>
-          </a:xfrm>
-          <a:prstGeom prst="rect">
-            <a:avLst/>
-          </a:prstGeom>
-        </p:spPr>
-        <p:txBody>
-          <a:bodyPr anchor="t" rtlCol="false" tIns="0" lIns="0" bIns="0" rIns="0">
-            <a:spAutoFit/>
-          </a:bodyPr>
-          <a:lstStyle/>
-          <a:p>
-            <a:pPr algn="ctr" marL="0" indent="0" lvl="0">
-              <a:lnSpc>
-                <a:spcPts val="3478"/>
-              </a:lnSpc>
-              <a:spcBef>
-                <a:spcPct val="0"/>
-              </a:spcBef>
-            </a:pPr>
-            <a:r>
-              <a:rPr lang="en-US" b="true" sz="2174">
-                <a:solidFill>
-                  <a:srgbClr val="FFFFFF"/>
-                </a:solidFill>
-                <a:latin typeface="TT Interphases Bold"/>
-                <a:ea typeface="TT Interphases Bold"/>
-                <a:cs typeface="TT Interphases Bold"/>
-                <a:sym typeface="TT Interphases Bold"/>
-              </a:rPr>
-              <a:t>N</a:t>
-            </a:r>
-            <a:r>
-              <a:rPr lang="en-US" b="true" sz="2174" strike="noStrike" u="none">
-                <a:solidFill>
-                  <a:srgbClr val="FFFFFF"/>
-                </a:solidFill>
-                <a:latin typeface="TT Interphases Bold"/>
-                <a:ea typeface="TT Interphases Bold"/>
-                <a:cs typeface="TT Interphases Bold"/>
-                <a:sym typeface="TT Interphases Bold"/>
-              </a:rPr>
-              <a:t>ext.js 14, React</a:t>
-            </a:r>
-          </a:p>
-          <a:p>
-            <a:pPr algn="ctr" marL="0" indent="0" lvl="0">
-              <a:lnSpc>
-                <a:spcPts val="3478"/>
-              </a:lnSpc>
-              <a:spcBef>
-                <a:spcPct val="0"/>
-              </a:spcBef>
-            </a:pPr>
-          </a:p>
-        </p:txBody>
-      </p:sp>
-      <p:sp>
-        <p:nvSpPr>
-          <p:cNvPr name="TextBox 42" id="42"/>
-          <p:cNvSpPr txBox="true"/>
-          <p:nvPr/>
-        </p:nvSpPr>
-        <p:spPr>
-          <a:xfrm rot="0">
-            <a:off x="772657" y="4138816"/>
-            <a:ext cx="3251788" cy="389412"/>
-          </a:xfrm>
-          <a:prstGeom prst="rect">
-            <a:avLst/>
-          </a:prstGeom>
-        </p:spPr>
-        <p:txBody>
-          <a:bodyPr anchor="t" rtlCol="false" tIns="0" lIns="0" bIns="0" rIns="0">
-            <a:spAutoFit/>
-          </a:bodyPr>
-          <a:lstStyle/>
-          <a:p>
-            <a:pPr algn="ctr" marL="0" indent="0" lvl="0">
-              <a:lnSpc>
-                <a:spcPts val="3211"/>
-              </a:lnSpc>
-              <a:spcBef>
-                <a:spcPct val="0"/>
-              </a:spcBef>
-            </a:pPr>
-            <a:r>
-              <a:rPr lang="en-US" b="true" sz="2293">
-                <a:solidFill>
-                  <a:srgbClr val="000A1F"/>
-                </a:solidFill>
-                <a:latin typeface="Muli Ultra-Bold"/>
-                <a:ea typeface="Muli Ultra-Bold"/>
-                <a:cs typeface="Muli Ultra-Bold"/>
-                <a:sym typeface="Muli Ultra-Bold"/>
-              </a:rPr>
-              <a:t>Data base</a:t>
-            </a:r>
-          </a:p>
-        </p:txBody>
-      </p:sp>
-      <p:sp>
-        <p:nvSpPr>
-          <p:cNvPr name="TextBox 43" id="43"/>
-          <p:cNvSpPr txBox="true"/>
-          <p:nvPr/>
-        </p:nvSpPr>
-        <p:spPr>
-          <a:xfrm rot="0">
-            <a:off x="2153381" y="802470"/>
-            <a:ext cx="3251788" cy="389412"/>
-          </a:xfrm>
-          <a:prstGeom prst="rect">
-            <a:avLst/>
-          </a:prstGeom>
-        </p:spPr>
-        <p:txBody>
-          <a:bodyPr anchor="t" rtlCol="false" tIns="0" lIns="0" bIns="0" rIns="0">
-            <a:spAutoFit/>
-          </a:bodyPr>
-          <a:lstStyle/>
-          <a:p>
-            <a:pPr algn="ctr" marL="0" indent="0" lvl="0">
-              <a:lnSpc>
-                <a:spcPts val="3211"/>
-              </a:lnSpc>
-              <a:spcBef>
-                <a:spcPct val="0"/>
-              </a:spcBef>
-            </a:pPr>
-            <a:r>
-              <a:rPr lang="en-US" b="true" sz="2293">
-                <a:solidFill>
-                  <a:srgbClr val="000A1F"/>
-                </a:solidFill>
-                <a:latin typeface="Muli Ultra-Bold"/>
-                <a:ea typeface="Muli Ultra-Bold"/>
-                <a:cs typeface="Muli Ultra-Bold"/>
-                <a:sym typeface="Muli Ultra-Bold"/>
-              </a:rPr>
-              <a:t>FrontEnd</a:t>
-            </a:r>
-          </a:p>
-        </p:txBody>
-      </p:sp>
-      <p:sp>
-        <p:nvSpPr>
-          <p:cNvPr name="TextBox 44" id="44"/>
-          <p:cNvSpPr txBox="true"/>
-          <p:nvPr/>
-        </p:nvSpPr>
-        <p:spPr>
-          <a:xfrm rot="0">
-            <a:off x="12855695" y="802470"/>
-            <a:ext cx="3251788" cy="389412"/>
-          </a:xfrm>
-          <a:prstGeom prst="rect">
-            <a:avLst/>
-          </a:prstGeom>
-        </p:spPr>
-        <p:txBody>
-          <a:bodyPr anchor="t" rtlCol="false" tIns="0" lIns="0" bIns="0" rIns="0">
-            <a:spAutoFit/>
-          </a:bodyPr>
-          <a:lstStyle/>
-          <a:p>
-            <a:pPr algn="ctr" marL="0" indent="0" lvl="0">
-              <a:lnSpc>
-                <a:spcPts val="3211"/>
-              </a:lnSpc>
-              <a:spcBef>
-                <a:spcPct val="0"/>
-              </a:spcBef>
-            </a:pPr>
-            <a:r>
-              <a:rPr lang="en-US" b="true" sz="2293">
-                <a:solidFill>
-                  <a:srgbClr val="000A1F"/>
-                </a:solidFill>
-                <a:latin typeface="Muli Ultra-Bold"/>
-                <a:ea typeface="Muli Ultra-Bold"/>
-                <a:cs typeface="Muli Ultra-Bold"/>
-                <a:sym typeface="Muli Ultra-Bold"/>
-              </a:rPr>
-              <a:t>Estilos</a:t>
-            </a:r>
-          </a:p>
-        </p:txBody>
-      </p:sp>
-      <p:sp>
-        <p:nvSpPr>
-          <p:cNvPr name="TextBox 45" id="45"/>
-          <p:cNvSpPr txBox="true"/>
-          <p:nvPr/>
-        </p:nvSpPr>
-        <p:spPr>
-          <a:xfrm rot="0">
-            <a:off x="1036281" y="4583312"/>
-            <a:ext cx="2742993" cy="413420"/>
-          </a:xfrm>
-          <a:prstGeom prst="rect">
-            <a:avLst/>
-          </a:prstGeom>
-        </p:spPr>
-        <p:txBody>
-          <a:bodyPr anchor="t" rtlCol="false" tIns="0" lIns="0" bIns="0" rIns="0">
-            <a:spAutoFit/>
-          </a:bodyPr>
-          <a:lstStyle/>
-          <a:p>
-            <a:pPr algn="ctr" marL="0" indent="0" lvl="0">
-              <a:lnSpc>
-                <a:spcPts val="3478"/>
-              </a:lnSpc>
-              <a:spcBef>
-                <a:spcPct val="0"/>
-              </a:spcBef>
-            </a:pPr>
-            <a:r>
-              <a:rPr lang="en-US" b="true" sz="2174">
-                <a:solidFill>
-                  <a:srgbClr val="FFFFFF"/>
-                </a:solidFill>
-                <a:latin typeface="TT Interphases Bold"/>
-                <a:ea typeface="TT Interphases Bold"/>
-                <a:cs typeface="TT Interphases Bold"/>
-                <a:sym typeface="TT Interphases Bold"/>
-              </a:rPr>
-              <a:t>Firestore</a:t>
-            </a:r>
-          </a:p>
-        </p:txBody>
-      </p:sp>
-      <p:sp>
-        <p:nvSpPr>
-          <p:cNvPr name="TextBox 46" id="46"/>
-          <p:cNvSpPr txBox="true"/>
-          <p:nvPr/>
-        </p:nvSpPr>
-        <p:spPr>
-          <a:xfrm rot="0">
-            <a:off x="2363438" y="7754420"/>
-            <a:ext cx="2742993" cy="413420"/>
-          </a:xfrm>
-          <a:prstGeom prst="rect">
-            <a:avLst/>
-          </a:prstGeom>
-        </p:spPr>
-        <p:txBody>
-          <a:bodyPr anchor="t" rtlCol="false" tIns="0" lIns="0" bIns="0" rIns="0">
-            <a:spAutoFit/>
-          </a:bodyPr>
-          <a:lstStyle/>
-          <a:p>
-            <a:pPr algn="ctr" marL="0" indent="0" lvl="0">
-              <a:lnSpc>
-                <a:spcPts val="3478"/>
-              </a:lnSpc>
-              <a:spcBef>
-                <a:spcPct val="0"/>
-              </a:spcBef>
-            </a:pPr>
-            <a:r>
-              <a:rPr lang="en-US" b="true" sz="2174">
-                <a:solidFill>
-                  <a:srgbClr val="FFFFFF"/>
-                </a:solidFill>
-                <a:latin typeface="TT Interphases Bold"/>
-                <a:ea typeface="TT Interphases Bold"/>
-                <a:cs typeface="TT Interphases Bold"/>
-                <a:sym typeface="TT Interphases Bold"/>
-              </a:rPr>
-              <a:t>Github</a:t>
-            </a:r>
-          </a:p>
-        </p:txBody>
-      </p:sp>
-      <p:sp>
-        <p:nvSpPr>
-          <p:cNvPr name="TextBox 47" id="47"/>
-          <p:cNvSpPr txBox="true"/>
-          <p:nvPr/>
-        </p:nvSpPr>
-        <p:spPr>
-          <a:xfrm rot="0">
-            <a:off x="13074980" y="1246966"/>
-            <a:ext cx="2742993" cy="413420"/>
-          </a:xfrm>
-          <a:prstGeom prst="rect">
-            <a:avLst/>
-          </a:prstGeom>
-        </p:spPr>
-        <p:txBody>
-          <a:bodyPr anchor="t" rtlCol="false" tIns="0" lIns="0" bIns="0" rIns="0">
-            <a:spAutoFit/>
-          </a:bodyPr>
-          <a:lstStyle/>
-          <a:p>
-            <a:pPr algn="ctr" marL="0" indent="0" lvl="0">
-              <a:lnSpc>
-                <a:spcPts val="3478"/>
-              </a:lnSpc>
-              <a:spcBef>
-                <a:spcPct val="0"/>
-              </a:spcBef>
-            </a:pPr>
-            <a:r>
-              <a:rPr lang="en-US" b="true" sz="2174">
-                <a:solidFill>
-                  <a:srgbClr val="FFFFFF"/>
-                </a:solidFill>
-                <a:latin typeface="TT Interphases Bold"/>
-                <a:ea typeface="TT Interphases Bold"/>
-                <a:cs typeface="TT Interphases Bold"/>
-                <a:sym typeface="TT Interphases Bold"/>
-              </a:rPr>
-              <a:t>Tailw</a:t>
-            </a:r>
-            <a:r>
-              <a:rPr lang="en-US" b="true" sz="2174">
-                <a:solidFill>
-                  <a:srgbClr val="FFFFFF"/>
-                </a:solidFill>
-                <a:latin typeface="TT Interphases Bold"/>
-                <a:ea typeface="TT Interphases Bold"/>
-                <a:cs typeface="TT Interphases Bold"/>
-                <a:sym typeface="TT Interphases Bold"/>
-              </a:rPr>
-              <a:t>indCSS</a:t>
-            </a:r>
-          </a:p>
-        </p:txBody>
-      </p:sp>
-      <p:sp>
-        <p:nvSpPr>
-          <p:cNvPr name="TextBox 48" id="48"/>
-          <p:cNvSpPr txBox="true"/>
-          <p:nvPr/>
-        </p:nvSpPr>
-        <p:spPr>
-          <a:xfrm rot="0">
-            <a:off x="13110093" y="7783776"/>
-            <a:ext cx="2742993" cy="413420"/>
-          </a:xfrm>
-          <a:prstGeom prst="rect">
-            <a:avLst/>
-          </a:prstGeom>
-        </p:spPr>
-        <p:txBody>
-          <a:bodyPr anchor="t" rtlCol="false" tIns="0" lIns="0" bIns="0" rIns="0">
-            <a:spAutoFit/>
-          </a:bodyPr>
-          <a:lstStyle/>
-          <a:p>
-            <a:pPr algn="ctr" marL="0" indent="0" lvl="0">
-              <a:lnSpc>
-                <a:spcPts val="3478"/>
-              </a:lnSpc>
-              <a:spcBef>
-                <a:spcPct val="0"/>
-              </a:spcBef>
-            </a:pPr>
-            <a:r>
-              <a:rPr lang="en-US" b="true" sz="2174">
-                <a:solidFill>
-                  <a:srgbClr val="FFFFFF"/>
-                </a:solidFill>
-                <a:latin typeface="TT Interphases Bold"/>
-                <a:ea typeface="TT Interphases Bold"/>
-                <a:cs typeface="TT Interphases Bold"/>
-                <a:sym typeface="TT Interphases Bold"/>
-              </a:rPr>
-              <a:t>Vercel</a:t>
-            </a:r>
-          </a:p>
-        </p:txBody>
       </p:sp>
     </p:spTree>
   </p:cSld>
@@ -11001,55 +11001,9 @@
           </p:txBody>
         </p:sp>
       </p:grpSp>
-      <p:sp>
-        <p:nvSpPr>
-          <p:cNvPr name="Freeform 22" id="22"/>
-          <p:cNvSpPr/>
-          <p:nvPr/>
-        </p:nvSpPr>
-        <p:spPr>
-          <a:xfrm flipH="false" flipV="false" rot="0">
-            <a:off x="14542844" y="4799405"/>
-            <a:ext cx="1788848" cy="1788848"/>
-          </a:xfrm>
-          <a:custGeom>
-            <a:avLst/>
-            <a:gdLst/>
-            <a:ahLst/>
-            <a:cxnLst/>
-            <a:rect r="r" b="b" t="t" l="l"/>
-            <a:pathLst>
-              <a:path h="1788848" w="1788848">
-                <a:moveTo>
-                  <a:pt x="0" y="0"/>
-                </a:moveTo>
-                <a:lnTo>
-                  <a:pt x="1788848" y="0"/>
-                </a:lnTo>
-                <a:lnTo>
-                  <a:pt x="1788848" y="1788848"/>
-                </a:lnTo>
-                <a:lnTo>
-                  <a:pt x="0" y="1788848"/>
-                </a:lnTo>
-                <a:lnTo>
-                  <a:pt x="0" y="0"/>
-                </a:lnTo>
-                <a:close/>
-              </a:path>
-            </a:pathLst>
-          </a:custGeom>
-          <a:blipFill>
-            <a:blip r:embed="rId7"/>
-            <a:stretch>
-              <a:fillRect l="0" t="0" r="0" b="0"/>
-            </a:stretch>
-          </a:blipFill>
-        </p:spPr>
-      </p:sp>
       <p:grpSp>
         <p:nvGrpSpPr>
-          <p:cNvPr name="Group 23" id="23"/>
+          <p:cNvPr name="Group 22" id="22"/>
           <p:cNvGrpSpPr/>
           <p:nvPr/>
         </p:nvGrpSpPr>
@@ -11063,7 +11017,7 @@
         </p:grpSpPr>
         <p:sp>
           <p:nvSpPr>
-            <p:cNvPr name="Freeform 24" id="24"/>
+            <p:cNvPr name="Freeform 23" id="23"/>
             <p:cNvSpPr/>
             <p:nvPr/>
           </p:nvSpPr>
@@ -11115,7 +11069,7 @@
         </p:sp>
         <p:sp>
           <p:nvSpPr>
-            <p:cNvPr name="TextBox 25" id="25"/>
+            <p:cNvPr name="TextBox 24" id="24"/>
             <p:cNvSpPr txBox="true"/>
             <p:nvPr/>
           </p:nvSpPr>
@@ -11141,417 +11095,9 @@
           </p:txBody>
         </p:sp>
       </p:grpSp>
-      <p:sp>
-        <p:nvSpPr>
-          <p:cNvPr name="TextBox 26" id="26"/>
-          <p:cNvSpPr txBox="true"/>
-          <p:nvPr/>
-        </p:nvSpPr>
-        <p:spPr>
-          <a:xfrm rot="0">
-            <a:off x="1028700" y="472861"/>
-            <a:ext cx="16230600" cy="1190006"/>
-          </a:xfrm>
-          <a:prstGeom prst="rect">
-            <a:avLst/>
-          </a:prstGeom>
-        </p:spPr>
-        <p:txBody>
-          <a:bodyPr anchor="t" rtlCol="false" tIns="0" lIns="0" bIns="0" rIns="0">
-            <a:spAutoFit/>
-          </a:bodyPr>
-          <a:lstStyle/>
-          <a:p>
-            <a:pPr algn="ctr" marL="0" indent="0" lvl="0">
-              <a:lnSpc>
-                <a:spcPts val="9451"/>
-              </a:lnSpc>
-              <a:spcBef>
-                <a:spcPct val="0"/>
-              </a:spcBef>
-            </a:pPr>
-            <a:r>
-              <a:rPr lang="en-US" b="true" sz="7621" spc="144">
-                <a:solidFill>
-                  <a:srgbClr val="FFFFFF"/>
-                </a:solidFill>
-                <a:latin typeface="Muli Heavy"/>
-                <a:ea typeface="Muli Heavy"/>
-                <a:cs typeface="Muli Heavy"/>
-                <a:sym typeface="Muli Heavy"/>
-              </a:rPr>
-              <a:t>ARQUITECTURA DE SOFTWARE</a:t>
-            </a:r>
-          </a:p>
-        </p:txBody>
-      </p:sp>
-      <p:sp>
-        <p:nvSpPr>
-          <p:cNvPr name="TextBox 27" id="27"/>
-          <p:cNvSpPr txBox="true"/>
-          <p:nvPr/>
-        </p:nvSpPr>
-        <p:spPr>
-          <a:xfrm rot="0">
-            <a:off x="1790394" y="6669190"/>
-            <a:ext cx="2199568" cy="475160"/>
-          </a:xfrm>
-          <a:prstGeom prst="rect">
-            <a:avLst/>
-          </a:prstGeom>
-        </p:spPr>
-        <p:txBody>
-          <a:bodyPr anchor="t" rtlCol="false" tIns="0" lIns="0" bIns="0" rIns="0">
-            <a:spAutoFit/>
-          </a:bodyPr>
-          <a:lstStyle/>
-          <a:p>
-            <a:pPr algn="ctr" marL="0" indent="0" lvl="0">
-              <a:lnSpc>
-                <a:spcPts val="4033"/>
-              </a:lnSpc>
-              <a:spcBef>
-                <a:spcPct val="0"/>
-              </a:spcBef>
-            </a:pPr>
-            <a:r>
-              <a:rPr lang="en-US" b="true" sz="2520">
-                <a:solidFill>
-                  <a:srgbClr val="FFFFFF"/>
-                </a:solidFill>
-                <a:latin typeface="TT Interphases Bold"/>
-                <a:ea typeface="TT Interphases Bold"/>
-                <a:cs typeface="TT Interphases Bold"/>
-                <a:sym typeface="TT Interphases Bold"/>
-              </a:rPr>
-              <a:t>N</a:t>
-            </a:r>
-            <a:r>
-              <a:rPr lang="en-US" b="true" sz="2520" strike="noStrike" u="none">
-                <a:solidFill>
-                  <a:srgbClr val="FFFFFF"/>
-                </a:solidFill>
-                <a:latin typeface="TT Interphases Bold"/>
-                <a:ea typeface="TT Interphases Bold"/>
-                <a:cs typeface="TT Interphases Bold"/>
-                <a:sym typeface="TT Interphases Bold"/>
-              </a:rPr>
-              <a:t>ext.js</a:t>
-            </a:r>
-          </a:p>
-        </p:txBody>
-      </p:sp>
-      <p:sp>
-        <p:nvSpPr>
-          <p:cNvPr name="TextBox 28" id="28"/>
-          <p:cNvSpPr txBox="true"/>
-          <p:nvPr/>
-        </p:nvSpPr>
-        <p:spPr>
-          <a:xfrm rot="0">
-            <a:off x="5731452" y="6528586"/>
-            <a:ext cx="2199568" cy="475160"/>
-          </a:xfrm>
-          <a:prstGeom prst="rect">
-            <a:avLst/>
-          </a:prstGeom>
-        </p:spPr>
-        <p:txBody>
-          <a:bodyPr anchor="t" rtlCol="false" tIns="0" lIns="0" bIns="0" rIns="0">
-            <a:spAutoFit/>
-          </a:bodyPr>
-          <a:lstStyle/>
-          <a:p>
-            <a:pPr algn="ctr" marL="0" indent="0" lvl="0">
-              <a:lnSpc>
-                <a:spcPts val="4033"/>
-              </a:lnSpc>
-              <a:spcBef>
-                <a:spcPct val="0"/>
-              </a:spcBef>
-            </a:pPr>
-            <a:r>
-              <a:rPr lang="en-US" b="true" sz="2520">
-                <a:solidFill>
-                  <a:srgbClr val="FFFFFF"/>
-                </a:solidFill>
-                <a:latin typeface="TT Interphases Bold"/>
-                <a:ea typeface="TT Interphases Bold"/>
-                <a:cs typeface="TT Interphases Bold"/>
-                <a:sym typeface="TT Interphases Bold"/>
-              </a:rPr>
-              <a:t>Firestore</a:t>
-            </a:r>
-          </a:p>
-        </p:txBody>
-      </p:sp>
-      <p:sp>
-        <p:nvSpPr>
-          <p:cNvPr name="TextBox 29" id="29"/>
-          <p:cNvSpPr txBox="true"/>
-          <p:nvPr/>
-        </p:nvSpPr>
-        <p:spPr>
-          <a:xfrm rot="0">
-            <a:off x="8197720" y="6528586"/>
-            <a:ext cx="2199568" cy="475160"/>
-          </a:xfrm>
-          <a:prstGeom prst="rect">
-            <a:avLst/>
-          </a:prstGeom>
-        </p:spPr>
-        <p:txBody>
-          <a:bodyPr anchor="t" rtlCol="false" tIns="0" lIns="0" bIns="0" rIns="0">
-            <a:spAutoFit/>
-          </a:bodyPr>
-          <a:lstStyle/>
-          <a:p>
-            <a:pPr algn="ctr" marL="0" indent="0" lvl="0">
-              <a:lnSpc>
-                <a:spcPts val="4033"/>
-              </a:lnSpc>
-              <a:spcBef>
-                <a:spcPct val="0"/>
-              </a:spcBef>
-            </a:pPr>
-            <a:r>
-              <a:rPr lang="en-US" b="true" sz="2520">
-                <a:solidFill>
-                  <a:srgbClr val="FFFFFF"/>
-                </a:solidFill>
-                <a:latin typeface="TT Interphases Bold"/>
-                <a:ea typeface="TT Interphases Bold"/>
-                <a:cs typeface="TT Interphases Bold"/>
-                <a:sym typeface="TT Interphases Bold"/>
-              </a:rPr>
-              <a:t>Storage</a:t>
-            </a:r>
-          </a:p>
-        </p:txBody>
-      </p:sp>
-      <p:sp>
-        <p:nvSpPr>
-          <p:cNvPr name="TextBox 30" id="30"/>
-          <p:cNvSpPr txBox="true"/>
-          <p:nvPr/>
-        </p:nvSpPr>
-        <p:spPr>
-          <a:xfrm rot="0">
-            <a:off x="10662197" y="6528586"/>
-            <a:ext cx="2199568" cy="475160"/>
-          </a:xfrm>
-          <a:prstGeom prst="rect">
-            <a:avLst/>
-          </a:prstGeom>
-        </p:spPr>
-        <p:txBody>
-          <a:bodyPr anchor="t" rtlCol="false" tIns="0" lIns="0" bIns="0" rIns="0">
-            <a:spAutoFit/>
-          </a:bodyPr>
-          <a:lstStyle/>
-          <a:p>
-            <a:pPr algn="ctr" marL="0" indent="0" lvl="0">
-              <a:lnSpc>
-                <a:spcPts val="4033"/>
-              </a:lnSpc>
-              <a:spcBef>
-                <a:spcPct val="0"/>
-              </a:spcBef>
-            </a:pPr>
-            <a:r>
-              <a:rPr lang="en-US" b="true" sz="2520">
-                <a:solidFill>
-                  <a:srgbClr val="FFFFFF"/>
-                </a:solidFill>
-                <a:latin typeface="TT Interphases Bold"/>
-                <a:ea typeface="TT Interphases Bold"/>
-                <a:cs typeface="TT Interphases Bold"/>
-                <a:sym typeface="TT Interphases Bold"/>
-              </a:rPr>
-              <a:t>Auth</a:t>
-            </a:r>
-          </a:p>
-        </p:txBody>
-      </p:sp>
-      <p:sp>
-        <p:nvSpPr>
-          <p:cNvPr name="TextBox 31" id="31"/>
-          <p:cNvSpPr txBox="true"/>
-          <p:nvPr/>
-        </p:nvSpPr>
-        <p:spPr>
-          <a:xfrm rot="0">
-            <a:off x="14402700" y="6599751"/>
-            <a:ext cx="2199568" cy="475160"/>
-          </a:xfrm>
-          <a:prstGeom prst="rect">
-            <a:avLst/>
-          </a:prstGeom>
-        </p:spPr>
-        <p:txBody>
-          <a:bodyPr anchor="t" rtlCol="false" tIns="0" lIns="0" bIns="0" rIns="0">
-            <a:spAutoFit/>
-          </a:bodyPr>
-          <a:lstStyle/>
-          <a:p>
-            <a:pPr algn="ctr" marL="0" indent="0" lvl="0">
-              <a:lnSpc>
-                <a:spcPts val="4033"/>
-              </a:lnSpc>
-              <a:spcBef>
-                <a:spcPct val="0"/>
-              </a:spcBef>
-            </a:pPr>
-            <a:r>
-              <a:rPr lang="en-US" b="true" sz="2520">
-                <a:solidFill>
-                  <a:srgbClr val="FFFFFF"/>
-                </a:solidFill>
-                <a:latin typeface="TT Interphases Bold"/>
-                <a:ea typeface="TT Interphases Bold"/>
-                <a:cs typeface="TT Interphases Bold"/>
-                <a:sym typeface="TT Interphases Bold"/>
-              </a:rPr>
-              <a:t>Versel</a:t>
-            </a:r>
-          </a:p>
-        </p:txBody>
-      </p:sp>
-      <p:sp>
-        <p:nvSpPr>
-          <p:cNvPr name="TextBox 32" id="32"/>
-          <p:cNvSpPr txBox="true"/>
-          <p:nvPr/>
-        </p:nvSpPr>
-        <p:spPr>
-          <a:xfrm rot="0">
-            <a:off x="1790394" y="3978140"/>
-            <a:ext cx="2199568" cy="696811"/>
-          </a:xfrm>
-          <a:prstGeom prst="rect">
-            <a:avLst/>
-          </a:prstGeom>
-        </p:spPr>
-        <p:txBody>
-          <a:bodyPr anchor="t" rtlCol="false" tIns="0" lIns="0" bIns="0" rIns="0">
-            <a:spAutoFit/>
-          </a:bodyPr>
-          <a:lstStyle/>
-          <a:p>
-            <a:pPr algn="ctr" marL="0" indent="0" lvl="0">
-              <a:lnSpc>
-                <a:spcPts val="5953"/>
-              </a:lnSpc>
-              <a:spcBef>
-                <a:spcPct val="0"/>
-              </a:spcBef>
-            </a:pPr>
-            <a:r>
-              <a:rPr lang="en-US" b="true" sz="3720">
-                <a:solidFill>
-                  <a:srgbClr val="FFFFFF"/>
-                </a:solidFill>
-                <a:latin typeface="TT Interphases Bold"/>
-                <a:ea typeface="TT Interphases Bold"/>
-                <a:cs typeface="TT Interphases Bold"/>
-                <a:sym typeface="TT Interphases Bold"/>
-              </a:rPr>
-              <a:t>FrontEnd</a:t>
-            </a:r>
-          </a:p>
-        </p:txBody>
-      </p:sp>
-      <p:sp>
-        <p:nvSpPr>
-          <p:cNvPr name="TextBox 33" id="33"/>
-          <p:cNvSpPr txBox="true"/>
-          <p:nvPr/>
-        </p:nvSpPr>
-        <p:spPr>
-          <a:xfrm rot="0">
-            <a:off x="8039911" y="3978140"/>
-            <a:ext cx="2199568" cy="696811"/>
-          </a:xfrm>
-          <a:prstGeom prst="rect">
-            <a:avLst/>
-          </a:prstGeom>
-        </p:spPr>
-        <p:txBody>
-          <a:bodyPr anchor="t" rtlCol="false" tIns="0" lIns="0" bIns="0" rIns="0">
-            <a:spAutoFit/>
-          </a:bodyPr>
-          <a:lstStyle/>
-          <a:p>
-            <a:pPr algn="ctr" marL="0" indent="0" lvl="0">
-              <a:lnSpc>
-                <a:spcPts val="5953"/>
-              </a:lnSpc>
-              <a:spcBef>
-                <a:spcPct val="0"/>
-              </a:spcBef>
-            </a:pPr>
-            <a:r>
-              <a:rPr lang="en-US" b="true" sz="3720">
-                <a:solidFill>
-                  <a:srgbClr val="FFFFFF"/>
-                </a:solidFill>
-                <a:latin typeface="TT Interphases Bold"/>
-                <a:ea typeface="TT Interphases Bold"/>
-                <a:cs typeface="TT Interphases Bold"/>
-                <a:sym typeface="TT Interphases Bold"/>
-              </a:rPr>
-              <a:t>BackEnd</a:t>
-            </a:r>
-          </a:p>
-        </p:txBody>
-      </p:sp>
-      <p:sp>
-        <p:nvSpPr>
-          <p:cNvPr name="TextBox 34" id="34"/>
-          <p:cNvSpPr txBox="true"/>
-          <p:nvPr/>
-        </p:nvSpPr>
-        <p:spPr>
-          <a:xfrm rot="0">
-            <a:off x="14402700" y="3978140"/>
-            <a:ext cx="2199568" cy="696811"/>
-          </a:xfrm>
-          <a:prstGeom prst="rect">
-            <a:avLst/>
-          </a:prstGeom>
-        </p:spPr>
-        <p:txBody>
-          <a:bodyPr anchor="t" rtlCol="false" tIns="0" lIns="0" bIns="0" rIns="0">
-            <a:spAutoFit/>
-          </a:bodyPr>
-          <a:lstStyle/>
-          <a:p>
-            <a:pPr algn="ctr" marL="0" indent="0" lvl="0">
-              <a:lnSpc>
-                <a:spcPts val="5953"/>
-              </a:lnSpc>
-              <a:spcBef>
-                <a:spcPct val="0"/>
-              </a:spcBef>
-            </a:pPr>
-            <a:r>
-              <a:rPr lang="en-US" b="true" sz="3720">
-                <a:solidFill>
-                  <a:srgbClr val="FFFFFF"/>
-                </a:solidFill>
-                <a:latin typeface="TT Interphases Bold"/>
-                <a:ea typeface="TT Interphases Bold"/>
-                <a:cs typeface="TT Interphases Bold"/>
-                <a:sym typeface="TT Interphases Bold"/>
-              </a:rPr>
-              <a:t>Hosting</a:t>
-            </a:r>
-          </a:p>
-        </p:txBody>
-      </p:sp>
       <p:grpSp>
         <p:nvGrpSpPr>
-          <p:cNvPr name="Group 35" id="35"/>
+          <p:cNvPr name="Group 25" id="25"/>
           <p:cNvGrpSpPr/>
           <p:nvPr/>
         </p:nvGrpSpPr>
@@ -11565,7 +11111,7 @@
         </p:grpSpPr>
         <p:sp>
           <p:nvSpPr>
-            <p:cNvPr name="Freeform 36" id="36"/>
+            <p:cNvPr name="Freeform 26" id="26"/>
             <p:cNvSpPr/>
             <p:nvPr/>
           </p:nvSpPr>
@@ -11617,7 +11163,7 @@
         </p:sp>
         <p:sp>
           <p:nvSpPr>
-            <p:cNvPr name="TextBox 37" id="37"/>
+            <p:cNvPr name="TextBox 27" id="27"/>
             <p:cNvSpPr txBox="true"/>
             <p:nvPr/>
           </p:nvSpPr>
@@ -11643,6 +11189,460 @@
           </p:txBody>
         </p:sp>
       </p:grpSp>
+      <p:sp>
+        <p:nvSpPr>
+          <p:cNvPr name="Freeform 28" id="28"/>
+          <p:cNvSpPr/>
+          <p:nvPr/>
+        </p:nvSpPr>
+        <p:spPr>
+          <a:xfrm flipH="false" flipV="false" rot="0">
+            <a:off x="13489076" y="4649399"/>
+            <a:ext cx="3896385" cy="2045602"/>
+          </a:xfrm>
+          <a:custGeom>
+            <a:avLst/>
+            <a:gdLst/>
+            <a:ahLst/>
+            <a:cxnLst/>
+            <a:rect r="r" b="b" t="t" l="l"/>
+            <a:pathLst>
+              <a:path h="2045602" w="3896385">
+                <a:moveTo>
+                  <a:pt x="0" y="0"/>
+                </a:moveTo>
+                <a:lnTo>
+                  <a:pt x="3896385" y="0"/>
+                </a:lnTo>
+                <a:lnTo>
+                  <a:pt x="3896385" y="2045602"/>
+                </a:lnTo>
+                <a:lnTo>
+                  <a:pt x="0" y="2045602"/>
+                </a:lnTo>
+                <a:lnTo>
+                  <a:pt x="0" y="0"/>
+                </a:lnTo>
+                <a:close/>
+              </a:path>
+            </a:pathLst>
+          </a:custGeom>
+          <a:blipFill>
+            <a:blip r:embed="rId7"/>
+            <a:stretch>
+              <a:fillRect l="0" t="0" r="0" b="0"/>
+            </a:stretch>
+          </a:blipFill>
+        </p:spPr>
+      </p:sp>
+      <p:sp>
+        <p:nvSpPr>
+          <p:cNvPr name="TextBox 29" id="29"/>
+          <p:cNvSpPr txBox="true"/>
+          <p:nvPr/>
+        </p:nvSpPr>
+        <p:spPr>
+          <a:xfrm rot="0">
+            <a:off x="1028700" y="472861"/>
+            <a:ext cx="16230600" cy="1190006"/>
+          </a:xfrm>
+          <a:prstGeom prst="rect">
+            <a:avLst/>
+          </a:prstGeom>
+        </p:spPr>
+        <p:txBody>
+          <a:bodyPr anchor="t" rtlCol="false" tIns="0" lIns="0" bIns="0" rIns="0">
+            <a:spAutoFit/>
+          </a:bodyPr>
+          <a:lstStyle/>
+          <a:p>
+            <a:pPr algn="ctr" marL="0" indent="0" lvl="0">
+              <a:lnSpc>
+                <a:spcPts val="9451"/>
+              </a:lnSpc>
+              <a:spcBef>
+                <a:spcPct val="0"/>
+              </a:spcBef>
+            </a:pPr>
+            <a:r>
+              <a:rPr lang="en-US" b="true" sz="7621" spc="144">
+                <a:solidFill>
+                  <a:srgbClr val="FFFFFF"/>
+                </a:solidFill>
+                <a:latin typeface="Muli Heavy"/>
+                <a:ea typeface="Muli Heavy"/>
+                <a:cs typeface="Muli Heavy"/>
+                <a:sym typeface="Muli Heavy"/>
+              </a:rPr>
+              <a:t>ARQUITECTURA DE SOFTWARE</a:t>
+            </a:r>
+          </a:p>
+        </p:txBody>
+      </p:sp>
+      <p:sp>
+        <p:nvSpPr>
+          <p:cNvPr name="TextBox 30" id="30"/>
+          <p:cNvSpPr txBox="true"/>
+          <p:nvPr/>
+        </p:nvSpPr>
+        <p:spPr>
+          <a:xfrm rot="0">
+            <a:off x="1790394" y="6669190"/>
+            <a:ext cx="2199568" cy="475160"/>
+          </a:xfrm>
+          <a:prstGeom prst="rect">
+            <a:avLst/>
+          </a:prstGeom>
+        </p:spPr>
+        <p:txBody>
+          <a:bodyPr anchor="t" rtlCol="false" tIns="0" lIns="0" bIns="0" rIns="0">
+            <a:spAutoFit/>
+          </a:bodyPr>
+          <a:lstStyle/>
+          <a:p>
+            <a:pPr algn="ctr" marL="0" indent="0" lvl="0">
+              <a:lnSpc>
+                <a:spcPts val="4033"/>
+              </a:lnSpc>
+              <a:spcBef>
+                <a:spcPct val="0"/>
+              </a:spcBef>
+            </a:pPr>
+            <a:r>
+              <a:rPr lang="en-US" b="true" sz="2520">
+                <a:solidFill>
+                  <a:srgbClr val="FFFFFF"/>
+                </a:solidFill>
+                <a:latin typeface="TT Interphases Bold"/>
+                <a:ea typeface="TT Interphases Bold"/>
+                <a:cs typeface="TT Interphases Bold"/>
+                <a:sym typeface="TT Interphases Bold"/>
+              </a:rPr>
+              <a:t>N</a:t>
+            </a:r>
+            <a:r>
+              <a:rPr lang="en-US" b="true" sz="2520" strike="noStrike" u="none">
+                <a:solidFill>
+                  <a:srgbClr val="FFFFFF"/>
+                </a:solidFill>
+                <a:latin typeface="TT Interphases Bold"/>
+                <a:ea typeface="TT Interphases Bold"/>
+                <a:cs typeface="TT Interphases Bold"/>
+                <a:sym typeface="TT Interphases Bold"/>
+              </a:rPr>
+              <a:t>ext.js</a:t>
+            </a:r>
+          </a:p>
+        </p:txBody>
+      </p:sp>
+      <p:sp>
+        <p:nvSpPr>
+          <p:cNvPr name="TextBox 31" id="31"/>
+          <p:cNvSpPr txBox="true"/>
+          <p:nvPr/>
+        </p:nvSpPr>
+        <p:spPr>
+          <a:xfrm rot="0">
+            <a:off x="5731452" y="6528586"/>
+            <a:ext cx="2199568" cy="475160"/>
+          </a:xfrm>
+          <a:prstGeom prst="rect">
+            <a:avLst/>
+          </a:prstGeom>
+        </p:spPr>
+        <p:txBody>
+          <a:bodyPr anchor="t" rtlCol="false" tIns="0" lIns="0" bIns="0" rIns="0">
+            <a:spAutoFit/>
+          </a:bodyPr>
+          <a:lstStyle/>
+          <a:p>
+            <a:pPr algn="ctr" marL="0" indent="0" lvl="0">
+              <a:lnSpc>
+                <a:spcPts val="4033"/>
+              </a:lnSpc>
+              <a:spcBef>
+                <a:spcPct val="0"/>
+              </a:spcBef>
+            </a:pPr>
+            <a:r>
+              <a:rPr lang="en-US" b="true" sz="2520">
+                <a:solidFill>
+                  <a:srgbClr val="FFFFFF"/>
+                </a:solidFill>
+                <a:latin typeface="TT Interphases Bold"/>
+                <a:ea typeface="TT Interphases Bold"/>
+                <a:cs typeface="TT Interphases Bold"/>
+                <a:sym typeface="TT Interphases Bold"/>
+              </a:rPr>
+              <a:t>Firestore</a:t>
+            </a:r>
+          </a:p>
+        </p:txBody>
+      </p:sp>
+      <p:sp>
+        <p:nvSpPr>
+          <p:cNvPr name="TextBox 32" id="32"/>
+          <p:cNvSpPr txBox="true"/>
+          <p:nvPr/>
+        </p:nvSpPr>
+        <p:spPr>
+          <a:xfrm rot="0">
+            <a:off x="8197720" y="6528586"/>
+            <a:ext cx="2199568" cy="475160"/>
+          </a:xfrm>
+          <a:prstGeom prst="rect">
+            <a:avLst/>
+          </a:prstGeom>
+        </p:spPr>
+        <p:txBody>
+          <a:bodyPr anchor="t" rtlCol="false" tIns="0" lIns="0" bIns="0" rIns="0">
+            <a:spAutoFit/>
+          </a:bodyPr>
+          <a:lstStyle/>
+          <a:p>
+            <a:pPr algn="ctr" marL="0" indent="0" lvl="0">
+              <a:lnSpc>
+                <a:spcPts val="4033"/>
+              </a:lnSpc>
+              <a:spcBef>
+                <a:spcPct val="0"/>
+              </a:spcBef>
+            </a:pPr>
+            <a:r>
+              <a:rPr lang="en-US" b="true" sz="2520">
+                <a:solidFill>
+                  <a:srgbClr val="FFFFFF"/>
+                </a:solidFill>
+                <a:latin typeface="TT Interphases Bold"/>
+                <a:ea typeface="TT Interphases Bold"/>
+                <a:cs typeface="TT Interphases Bold"/>
+                <a:sym typeface="TT Interphases Bold"/>
+              </a:rPr>
+              <a:t>Storage</a:t>
+            </a:r>
+          </a:p>
+        </p:txBody>
+      </p:sp>
+      <p:sp>
+        <p:nvSpPr>
+          <p:cNvPr name="TextBox 33" id="33"/>
+          <p:cNvSpPr txBox="true"/>
+          <p:nvPr/>
+        </p:nvSpPr>
+        <p:spPr>
+          <a:xfrm rot="0">
+            <a:off x="10662197" y="6528586"/>
+            <a:ext cx="2199568" cy="475160"/>
+          </a:xfrm>
+          <a:prstGeom prst="rect">
+            <a:avLst/>
+          </a:prstGeom>
+        </p:spPr>
+        <p:txBody>
+          <a:bodyPr anchor="t" rtlCol="false" tIns="0" lIns="0" bIns="0" rIns="0">
+            <a:spAutoFit/>
+          </a:bodyPr>
+          <a:lstStyle/>
+          <a:p>
+            <a:pPr algn="ctr" marL="0" indent="0" lvl="0">
+              <a:lnSpc>
+                <a:spcPts val="4033"/>
+              </a:lnSpc>
+              <a:spcBef>
+                <a:spcPct val="0"/>
+              </a:spcBef>
+            </a:pPr>
+            <a:r>
+              <a:rPr lang="en-US" b="true" sz="2520">
+                <a:solidFill>
+                  <a:srgbClr val="FFFFFF"/>
+                </a:solidFill>
+                <a:latin typeface="TT Interphases Bold"/>
+                <a:ea typeface="TT Interphases Bold"/>
+                <a:cs typeface="TT Interphases Bold"/>
+                <a:sym typeface="TT Interphases Bold"/>
+              </a:rPr>
+              <a:t>Auth</a:t>
+            </a:r>
+          </a:p>
+        </p:txBody>
+      </p:sp>
+      <p:sp>
+        <p:nvSpPr>
+          <p:cNvPr name="TextBox 34" id="34"/>
+          <p:cNvSpPr txBox="true"/>
+          <p:nvPr/>
+        </p:nvSpPr>
+        <p:spPr>
+          <a:xfrm rot="0">
+            <a:off x="14402700" y="6599751"/>
+            <a:ext cx="2199568" cy="475160"/>
+          </a:xfrm>
+          <a:prstGeom prst="rect">
+            <a:avLst/>
+          </a:prstGeom>
+        </p:spPr>
+        <p:txBody>
+          <a:bodyPr anchor="t" rtlCol="false" tIns="0" lIns="0" bIns="0" rIns="0">
+            <a:spAutoFit/>
+          </a:bodyPr>
+          <a:lstStyle/>
+          <a:p>
+            <a:pPr algn="ctr" marL="0" indent="0" lvl="0">
+              <a:lnSpc>
+                <a:spcPts val="4033"/>
+              </a:lnSpc>
+              <a:spcBef>
+                <a:spcPct val="0"/>
+              </a:spcBef>
+            </a:pPr>
+            <a:r>
+              <a:rPr lang="en-US" b="true" sz="2520">
+                <a:solidFill>
+                  <a:srgbClr val="FFFFFF"/>
+                </a:solidFill>
+                <a:latin typeface="TT Interphases Bold"/>
+                <a:ea typeface="TT Interphases Bold"/>
+                <a:cs typeface="TT Interphases Bold"/>
+                <a:sym typeface="TT Interphases Bold"/>
+              </a:rPr>
+              <a:t>Google Cloud</a:t>
+            </a:r>
+          </a:p>
+        </p:txBody>
+      </p:sp>
+      <p:sp>
+        <p:nvSpPr>
+          <p:cNvPr name="TextBox 35" id="35"/>
+          <p:cNvSpPr txBox="true"/>
+          <p:nvPr/>
+        </p:nvSpPr>
+        <p:spPr>
+          <a:xfrm rot="0">
+            <a:off x="1790394" y="3978140"/>
+            <a:ext cx="2199568" cy="696811"/>
+          </a:xfrm>
+          <a:prstGeom prst="rect">
+            <a:avLst/>
+          </a:prstGeom>
+        </p:spPr>
+        <p:txBody>
+          <a:bodyPr anchor="t" rtlCol="false" tIns="0" lIns="0" bIns="0" rIns="0">
+            <a:spAutoFit/>
+          </a:bodyPr>
+          <a:lstStyle/>
+          <a:p>
+            <a:pPr algn="ctr" marL="0" indent="0" lvl="0">
+              <a:lnSpc>
+                <a:spcPts val="5953"/>
+              </a:lnSpc>
+              <a:spcBef>
+                <a:spcPct val="0"/>
+              </a:spcBef>
+            </a:pPr>
+            <a:r>
+              <a:rPr lang="en-US" b="true" sz="3720">
+                <a:solidFill>
+                  <a:srgbClr val="FFFFFF"/>
+                </a:solidFill>
+                <a:latin typeface="TT Interphases Bold"/>
+                <a:ea typeface="TT Interphases Bold"/>
+                <a:cs typeface="TT Interphases Bold"/>
+                <a:sym typeface="TT Interphases Bold"/>
+              </a:rPr>
+              <a:t>FrontEnd</a:t>
+            </a:r>
+          </a:p>
+        </p:txBody>
+      </p:sp>
+      <p:sp>
+        <p:nvSpPr>
+          <p:cNvPr name="TextBox 36" id="36"/>
+          <p:cNvSpPr txBox="true"/>
+          <p:nvPr/>
+        </p:nvSpPr>
+        <p:spPr>
+          <a:xfrm rot="0">
+            <a:off x="8039911" y="3978140"/>
+            <a:ext cx="2199568" cy="696811"/>
+          </a:xfrm>
+          <a:prstGeom prst="rect">
+            <a:avLst/>
+          </a:prstGeom>
+        </p:spPr>
+        <p:txBody>
+          <a:bodyPr anchor="t" rtlCol="false" tIns="0" lIns="0" bIns="0" rIns="0">
+            <a:spAutoFit/>
+          </a:bodyPr>
+          <a:lstStyle/>
+          <a:p>
+            <a:pPr algn="ctr" marL="0" indent="0" lvl="0">
+              <a:lnSpc>
+                <a:spcPts val="5953"/>
+              </a:lnSpc>
+              <a:spcBef>
+                <a:spcPct val="0"/>
+              </a:spcBef>
+            </a:pPr>
+            <a:r>
+              <a:rPr lang="en-US" b="true" sz="3720">
+                <a:solidFill>
+                  <a:srgbClr val="FFFFFF"/>
+                </a:solidFill>
+                <a:latin typeface="TT Interphases Bold"/>
+                <a:ea typeface="TT Interphases Bold"/>
+                <a:cs typeface="TT Interphases Bold"/>
+                <a:sym typeface="TT Interphases Bold"/>
+              </a:rPr>
+              <a:t>BackEnd</a:t>
+            </a:r>
+          </a:p>
+        </p:txBody>
+      </p:sp>
+      <p:sp>
+        <p:nvSpPr>
+          <p:cNvPr name="TextBox 37" id="37"/>
+          <p:cNvSpPr txBox="true"/>
+          <p:nvPr/>
+        </p:nvSpPr>
+        <p:spPr>
+          <a:xfrm rot="0">
+            <a:off x="14402700" y="3978140"/>
+            <a:ext cx="2199568" cy="696811"/>
+          </a:xfrm>
+          <a:prstGeom prst="rect">
+            <a:avLst/>
+          </a:prstGeom>
+        </p:spPr>
+        <p:txBody>
+          <a:bodyPr anchor="t" rtlCol="false" tIns="0" lIns="0" bIns="0" rIns="0">
+            <a:spAutoFit/>
+          </a:bodyPr>
+          <a:lstStyle/>
+          <a:p>
+            <a:pPr algn="ctr" marL="0" indent="0" lvl="0">
+              <a:lnSpc>
+                <a:spcPts val="5953"/>
+              </a:lnSpc>
+              <a:spcBef>
+                <a:spcPct val="0"/>
+              </a:spcBef>
+            </a:pPr>
+            <a:r>
+              <a:rPr lang="en-US" b="true" sz="3720">
+                <a:solidFill>
+                  <a:srgbClr val="FFFFFF"/>
+                </a:solidFill>
+                <a:latin typeface="TT Interphases Bold"/>
+                <a:ea typeface="TT Interphases Bold"/>
+                <a:cs typeface="TT Interphases Bold"/>
+                <a:sym typeface="TT Interphases Bold"/>
+              </a:rPr>
+              <a:t>Hosting</a:t>
+            </a:r>
+          </a:p>
+        </p:txBody>
+      </p:sp>
     </p:spTree>
   </p:cSld>
   <p:clrMapOvr>
